--- a/Z_Admin/Visualization_Roadmap.pptx
+++ b/Z_Admin/Visualization_Roadmap.pptx
@@ -3191,20 +3191,12 @@
           <a:p>
             <a:pPr algn="ctr"/>
             <a:r>
-              <a:rPr lang="en-US" sz="7200">
-                <a:solidFill>
-                  <a:schemeClr val="tx1"/>
-                </a:solidFill>
-              </a:rPr>
-              <a:t>Agglomeration </a:t>
-            </a:r>
-            <a:r>
               <a:rPr lang="en-US" sz="7200" dirty="0">
                 <a:solidFill>
                   <a:schemeClr val="tx1"/>
                 </a:solidFill>
               </a:rPr>
-              <a:t>Cluster</a:t>
+              <a:t>Agglomeration Cluster</a:t>
             </a:r>
           </a:p>
           <a:p>
